--- a/FDA Analysis & Insights.pptx
+++ b/FDA Analysis & Insights.pptx
@@ -111,6 +111,11 @@
       </a:defRPr>
     </a:lvl9pPr>
   </p:defaultTextStyle>
+  <p:extLst>
+    <p:ext uri="{EFAFB233-063F-42B5-8137-9DF3F51BA10A}">
+      <p15:sldGuideLst xmlns:p15="http://schemas.microsoft.com/office/powerpoint/2012/main"/>
+    </p:ext>
+  </p:extLst>
 </p:presentation>
 </file>
 
@@ -340,7 +345,7 @@
           <a:p>
             <a:fld id="{D5FD103F-3018-48D0-AC81-D06612C6FDA1}" type="datetimeFigureOut">
               <a:rPr lang="en-IN" smtClean="0"/>
-              <a:t>23-09-2024</a:t>
+              <a:t>15-10-2024</a:t>
             </a:fld>
             <a:endParaRPr lang="en-IN"/>
           </a:p>
@@ -548,7 +553,7 @@
           <a:p>
             <a:fld id="{D5FD103F-3018-48D0-AC81-D06612C6FDA1}" type="datetimeFigureOut">
               <a:rPr lang="en-IN" smtClean="0"/>
-              <a:t>23-09-2024</a:t>
+              <a:t>15-10-2024</a:t>
             </a:fld>
             <a:endParaRPr lang="en-IN"/>
           </a:p>
@@ -804,7 +809,7 @@
           <a:p>
             <a:fld id="{D5FD103F-3018-48D0-AC81-D06612C6FDA1}" type="datetimeFigureOut">
               <a:rPr lang="en-IN" smtClean="0"/>
-              <a:t>23-09-2024</a:t>
+              <a:t>15-10-2024</a:t>
             </a:fld>
             <a:endParaRPr lang="en-IN"/>
           </a:p>
@@ -978,7 +983,7 @@
           <a:p>
             <a:fld id="{D5FD103F-3018-48D0-AC81-D06612C6FDA1}" type="datetimeFigureOut">
               <a:rPr lang="en-IN" smtClean="0"/>
-              <a:t>23-09-2024</a:t>
+              <a:t>15-10-2024</a:t>
             </a:fld>
             <a:endParaRPr lang="en-IN"/>
           </a:p>
@@ -1321,7 +1326,7 @@
           <a:p>
             <a:fld id="{D5FD103F-3018-48D0-AC81-D06612C6FDA1}" type="datetimeFigureOut">
               <a:rPr lang="en-IN" smtClean="0"/>
-              <a:t>23-09-2024</a:t>
+              <a:t>15-10-2024</a:t>
             </a:fld>
             <a:endParaRPr lang="en-IN"/>
           </a:p>
@@ -1596,7 +1601,7 @@
           <a:p>
             <a:fld id="{D5FD103F-3018-48D0-AC81-D06612C6FDA1}" type="datetimeFigureOut">
               <a:rPr lang="en-IN" smtClean="0"/>
-              <a:t>23-09-2024</a:t>
+              <a:t>15-10-2024</a:t>
             </a:fld>
             <a:endParaRPr lang="en-IN"/>
           </a:p>
@@ -1975,7 +1980,7 @@
           <a:p>
             <a:fld id="{D5FD103F-3018-48D0-AC81-D06612C6FDA1}" type="datetimeFigureOut">
               <a:rPr lang="en-IN" smtClean="0"/>
-              <a:t>23-09-2024</a:t>
+              <a:t>15-10-2024</a:t>
             </a:fld>
             <a:endParaRPr lang="en-IN"/>
           </a:p>
@@ -2093,7 +2098,7 @@
           <a:p>
             <a:fld id="{D5FD103F-3018-48D0-AC81-D06612C6FDA1}" type="datetimeFigureOut">
               <a:rPr lang="en-IN" smtClean="0"/>
-              <a:t>23-09-2024</a:t>
+              <a:t>15-10-2024</a:t>
             </a:fld>
             <a:endParaRPr lang="en-IN"/>
           </a:p>
@@ -2264,7 +2269,7 @@
           <a:p>
             <a:fld id="{D5FD103F-3018-48D0-AC81-D06612C6FDA1}" type="datetimeFigureOut">
               <a:rPr lang="en-IN" smtClean="0"/>
-              <a:t>23-09-2024</a:t>
+              <a:t>15-10-2024</a:t>
             </a:fld>
             <a:endParaRPr lang="en-IN"/>
           </a:p>
@@ -2618,7 +2623,7 @@
           <a:p>
             <a:fld id="{D5FD103F-3018-48D0-AC81-D06612C6FDA1}" type="datetimeFigureOut">
               <a:rPr lang="en-IN" smtClean="0"/>
-              <a:t>23-09-2024</a:t>
+              <a:t>15-10-2024</a:t>
             </a:fld>
             <a:endParaRPr lang="en-IN"/>
           </a:p>
@@ -3000,7 +3005,7 @@
           <a:p>
             <a:fld id="{D5FD103F-3018-48D0-AC81-D06612C6FDA1}" type="datetimeFigureOut">
               <a:rPr lang="en-IN" smtClean="0"/>
-              <a:t>23-09-2024</a:t>
+              <a:t>15-10-2024</a:t>
             </a:fld>
             <a:endParaRPr lang="en-IN"/>
           </a:p>
@@ -3287,7 +3292,7 @@
           <a:p>
             <a:fld id="{D5FD103F-3018-48D0-AC81-D06612C6FDA1}" type="datetimeFigureOut">
               <a:rPr lang="en-IN" smtClean="0"/>
-              <a:t>23-09-2024</a:t>
+              <a:t>15-10-2024</a:t>
             </a:fld>
             <a:endParaRPr lang="en-IN"/>
           </a:p>
@@ -4261,13 +4266,45 @@
           <a:p>
             <a:r>
               <a:rPr lang="en-US" sz="2000" dirty="0"/>
-              <a:t>• Most products fall under the 'Marketed' status, followed by 'Pending' and 'Withdrawn'.</a:t>
-            </a:r>
-          </a:p>
-          <a:p>
+              <a:t>• Most products fall under the ‘Marketed</a:t>
+            </a:r>
+            <a:r>
+              <a:rPr lang="en-US" dirty="0"/>
+              <a:t>’</a:t>
+            </a:r>
             <a:r>
               <a:rPr lang="en-US" sz="2000" dirty="0"/>
-              <a:t>• 'Pre-Market' products represent a smaller portion of the total.</a:t>
+              <a:t> status, followed by </a:t>
+            </a:r>
+            <a:r>
+              <a:rPr lang="en-US" dirty="0"/>
+              <a:t>‘</a:t>
+            </a:r>
+            <a:r>
+              <a:rPr lang="en-US" sz="2000" dirty="0"/>
+              <a:t>Pending’ and ‘Pre-marketing</a:t>
+            </a:r>
+            <a:r>
+              <a:rPr lang="en-US" dirty="0"/>
+              <a:t>’</a:t>
+            </a:r>
+            <a:r>
+              <a:rPr lang="en-US" sz="2000" dirty="0"/>
+              <a:t>.</a:t>
+            </a:r>
+          </a:p>
+          <a:p>
+            <a:r>
+              <a:rPr lang="en-US" sz="2000" dirty="0"/>
+              <a:t>• ‘Withdrawn</a:t>
+            </a:r>
+            <a:r>
+              <a:rPr lang="en-US" dirty="0"/>
+              <a:t>’</a:t>
+            </a:r>
+            <a:r>
+              <a:rPr lang="en-US" sz="2000" dirty="0"/>
+              <a:t> products represent a smaller portion of the total.</a:t>
             </a:r>
           </a:p>
           <a:p>
@@ -4297,7 +4334,14 @@
           <a:p>
             <a:r>
               <a:rPr lang="en-US" sz="2000" dirty="0"/>
-              <a:t>• Examine the reasons for 'Withdrawn' products—could there be safety or regulatory issues? This can guide future product approvals.</a:t>
+              <a:t>• Examine the reasons for 'Withdrawn’ as well as </a:t>
+            </a:r>
+            <a:br>
+              <a:rPr lang="en-US" sz="2000" dirty="0"/>
+            </a:br>
+            <a:r>
+              <a:rPr lang="en-US" sz="2000" dirty="0"/>
+              <a:t>‘Pre-market’ products—could there be safety or regulatory issues? This can guide future product approvals.</a:t>
             </a:r>
           </a:p>
           <a:p>
@@ -4452,9 +4496,16 @@
             </a:r>
           </a:p>
           <a:p>
+            <a:pPr marL="0" indent="0">
+              <a:buNone/>
+            </a:pPr>
+            <a:r>
+              <a:rPr lang="en-US" sz="2000"/>
+              <a:t>  Suggestions</a:t>
+            </a:r>
             <a:r>
               <a:rPr lang="en-US" sz="2000" dirty="0"/>
-              <a:t>Suggestions:</a:t>
+              <a:t>:</a:t>
             </a:r>
           </a:p>
           <a:p>
